--- a/week10/Lecture10.pptx
+++ b/week10/Lecture10.pptx
@@ -219,7 +219,7 @@
           <a:p>
             <a:fld id="{634F3F22-B4BB-3F48-9180-464A9F2D66D1}" type="datetimeFigureOut">
               <a:rPr kumimoji="1" lang="zh-CN" altLang="en-US" smtClean="0"/>
-              <a:t>2021/11/14</a:t>
+              <a:t>2021/11/15</a:t>
             </a:fld>
             <a:endParaRPr kumimoji="1" lang="zh-CN" altLang="en-US"/>
           </a:p>
@@ -699,7 +699,7 @@
           <a:p>
             <a:fld id="{FC19A4FA-3D9A-4114-B0D5-759CBD56F1AB}" type="datetimeFigureOut">
               <a:rPr lang="zh-CN" altLang="en-US" smtClean="0"/>
-              <a:t>2021/11/14</a:t>
+              <a:t>2021/11/15</a:t>
             </a:fld>
             <a:endParaRPr lang="zh-CN" altLang="en-US"/>
           </a:p>
@@ -902,7 +902,7 @@
           <a:p>
             <a:fld id="{FC19A4FA-3D9A-4114-B0D5-759CBD56F1AB}" type="datetimeFigureOut">
               <a:rPr lang="zh-CN" altLang="en-US" smtClean="0"/>
-              <a:t>2021/11/14</a:t>
+              <a:t>2021/11/15</a:t>
             </a:fld>
             <a:endParaRPr lang="zh-CN" altLang="en-US"/>
           </a:p>
@@ -1080,7 +1080,7 @@
           <a:p>
             <a:fld id="{FC19A4FA-3D9A-4114-B0D5-759CBD56F1AB}" type="datetimeFigureOut">
               <a:rPr lang="zh-CN" altLang="en-US" smtClean="0"/>
-              <a:t>2021/11/14</a:t>
+              <a:t>2021/11/15</a:t>
             </a:fld>
             <a:endParaRPr lang="zh-CN" altLang="en-US"/>
           </a:p>
@@ -1304,7 +1304,7 @@
           <a:p>
             <a:fld id="{FC19A4FA-3D9A-4114-B0D5-759CBD56F1AB}" type="datetimeFigureOut">
               <a:rPr lang="zh-CN" altLang="en-US" smtClean="0"/>
-              <a:t>2021/11/14</a:t>
+              <a:t>2021/11/15</a:t>
             </a:fld>
             <a:endParaRPr lang="zh-CN" altLang="en-US"/>
           </a:p>
@@ -1538,7 +1538,7 @@
           <a:p>
             <a:fld id="{FC19A4FA-3D9A-4114-B0D5-759CBD56F1AB}" type="datetimeFigureOut">
               <a:rPr lang="zh-CN" altLang="en-US" smtClean="0"/>
-              <a:t>2021/11/14</a:t>
+              <a:t>2021/11/15</a:t>
             </a:fld>
             <a:endParaRPr lang="zh-CN" altLang="en-US"/>
           </a:p>
@@ -1937,7 +1937,7 @@
           <a:p>
             <a:fld id="{FC19A4FA-3D9A-4114-B0D5-759CBD56F1AB}" type="datetimeFigureOut">
               <a:rPr lang="zh-CN" altLang="en-US" smtClean="0"/>
-              <a:t>2021/11/14</a:t>
+              <a:t>2021/11/15</a:t>
             </a:fld>
             <a:endParaRPr lang="zh-CN" altLang="en-US"/>
           </a:p>
@@ -2217,7 +2217,7 @@
           <a:p>
             <a:fld id="{FC19A4FA-3D9A-4114-B0D5-759CBD56F1AB}" type="datetimeFigureOut">
               <a:rPr lang="zh-CN" altLang="en-US" smtClean="0"/>
-              <a:t>2021/11/14</a:t>
+              <a:t>2021/11/15</a:t>
             </a:fld>
             <a:endParaRPr lang="zh-CN" altLang="en-US"/>
           </a:p>
@@ -2369,7 +2369,7 @@
           <a:p>
             <a:fld id="{FC19A4FA-3D9A-4114-B0D5-759CBD56F1AB}" type="datetimeFigureOut">
               <a:rPr lang="zh-CN" altLang="en-US" smtClean="0"/>
-              <a:t>2021/11/14</a:t>
+              <a:t>2021/11/15</a:t>
             </a:fld>
             <a:endParaRPr lang="zh-CN" altLang="en-US"/>
           </a:p>
@@ -2499,7 +2499,7 @@
           <a:p>
             <a:fld id="{FC19A4FA-3D9A-4114-B0D5-759CBD56F1AB}" type="datetimeFigureOut">
               <a:rPr lang="zh-CN" altLang="en-US" smtClean="0"/>
-              <a:t>2021/11/14</a:t>
+              <a:t>2021/11/15</a:t>
             </a:fld>
             <a:endParaRPr lang="zh-CN" altLang="en-US"/>
           </a:p>
@@ -2809,7 +2809,7 @@
           <a:p>
             <a:fld id="{FC19A4FA-3D9A-4114-B0D5-759CBD56F1AB}" type="datetimeFigureOut">
               <a:rPr lang="zh-CN" altLang="en-US" smtClean="0"/>
-              <a:t>2021/11/14</a:t>
+              <a:t>2021/11/15</a:t>
             </a:fld>
             <a:endParaRPr lang="zh-CN" altLang="en-US"/>
           </a:p>
@@ -3096,7 +3096,7 @@
           <a:p>
             <a:fld id="{FC19A4FA-3D9A-4114-B0D5-759CBD56F1AB}" type="datetimeFigureOut">
               <a:rPr lang="zh-CN" altLang="en-US" smtClean="0"/>
-              <a:t>2021/11/14</a:t>
+              <a:t>2021/11/15</a:t>
             </a:fld>
             <a:endParaRPr lang="zh-CN" altLang="en-US"/>
           </a:p>
@@ -3389,7 +3389,7 @@
           <a:p>
             <a:fld id="{FC19A4FA-3D9A-4114-B0D5-759CBD56F1AB}" type="datetimeFigureOut">
               <a:rPr lang="zh-CN" altLang="en-US" smtClean="0"/>
-              <a:t>2021/11/14</a:t>
+              <a:t>2021/11/15</a:t>
             </a:fld>
             <a:endParaRPr lang="zh-CN" altLang="en-US"/>
           </a:p>
@@ -8600,7 +8600,7 @@
         <p:spPr>
           <a:xfrm>
             <a:off x="1376478" y="2198185"/>
-            <a:ext cx="7875097" cy="1754326"/>
+            <a:ext cx="7875097" cy="1477328"/>
           </a:xfrm>
           <a:prstGeom prst="rect">
             <a:avLst/>
@@ -8752,117 +8752,7 @@
           </a:p>
           <a:p>
             <a:r>
-              <a:rPr lang="en" altLang="zh-CN" dirty="0">
-                <a:solidFill>
-                  <a:srgbClr val="267F99"/>
-                </a:solidFill>
-                <a:latin typeface="Menlo" panose="020B0609030804020204" pitchFamily="49" charset="0"/>
-              </a:rPr>
-              <a:t>    std</a:t>
-            </a:r>
-            <a:r>
-              <a:rPr lang="en" altLang="zh-CN" dirty="0">
-                <a:solidFill>
-                  <a:srgbClr val="000000"/>
-                </a:solidFill>
-                <a:latin typeface="Menlo" panose="020B0609030804020204" pitchFamily="49" charset="0"/>
-              </a:rPr>
-              <a:t>::</a:t>
-            </a:r>
-            <a:r>
-              <a:rPr lang="en" altLang="zh-CN" dirty="0" err="1">
-                <a:solidFill>
-                  <a:srgbClr val="000000"/>
-                </a:solidFill>
-                <a:latin typeface="Menlo" panose="020B0609030804020204" pitchFamily="49" charset="0"/>
-              </a:rPr>
-              <a:t>cout</a:t>
-            </a:r>
-            <a:r>
-              <a:rPr lang="en" altLang="zh-CN" dirty="0">
-                <a:solidFill>
-                  <a:srgbClr val="000000"/>
-                </a:solidFill>
-                <a:latin typeface="Menlo" panose="020B0609030804020204" pitchFamily="49" charset="0"/>
-              </a:rPr>
-              <a:t> &lt;&lt; </a:t>
-            </a:r>
-            <a:r>
-              <a:rPr lang="en" altLang="zh-CN" dirty="0">
-                <a:solidFill>
-                  <a:srgbClr val="A31515"/>
-                </a:solidFill>
-                <a:latin typeface="Menlo" panose="020B0609030804020204" pitchFamily="49" charset="0"/>
-              </a:rPr>
-              <a:t>"Constructor </a:t>
-            </a:r>
-            <a:r>
-              <a:rPr lang="en" altLang="zh-CN" dirty="0" err="1">
-                <a:solidFill>
-                  <a:srgbClr val="A31515"/>
-                </a:solidFill>
-                <a:latin typeface="Menlo" panose="020B0609030804020204" pitchFamily="49" charset="0"/>
-              </a:rPr>
-              <a:t>MyTime</a:t>
-            </a:r>
-            <a:r>
-              <a:rPr lang="en" altLang="zh-CN" dirty="0">
-                <a:solidFill>
-                  <a:srgbClr val="A31515"/>
-                </a:solidFill>
-                <a:latin typeface="Menlo" panose="020B0609030804020204" pitchFamily="49" charset="0"/>
-              </a:rPr>
-              <a:t>(int)"</a:t>
-            </a:r>
-            <a:r>
-              <a:rPr lang="en" altLang="zh-CN" dirty="0">
-                <a:solidFill>
-                  <a:srgbClr val="000000"/>
-                </a:solidFill>
-                <a:latin typeface="Menlo" panose="020B0609030804020204" pitchFamily="49" charset="0"/>
-              </a:rPr>
-              <a:t> &lt;&lt; </a:t>
-            </a:r>
-            <a:r>
-              <a:rPr lang="en" altLang="zh-CN" dirty="0">
-                <a:solidFill>
-                  <a:srgbClr val="267F99"/>
-                </a:solidFill>
-                <a:latin typeface="Menlo" panose="020B0609030804020204" pitchFamily="49" charset="0"/>
-              </a:rPr>
-              <a:t>std</a:t>
-            </a:r>
-            <a:r>
-              <a:rPr lang="en" altLang="zh-CN" dirty="0">
-                <a:solidFill>
-                  <a:srgbClr val="000000"/>
-                </a:solidFill>
-                <a:latin typeface="Menlo" panose="020B0609030804020204" pitchFamily="49" charset="0"/>
-              </a:rPr>
-              <a:t>::</a:t>
-            </a:r>
-            <a:r>
-              <a:rPr lang="en" altLang="zh-CN" dirty="0" err="1">
-                <a:solidFill>
-                  <a:srgbClr val="000000"/>
-                </a:solidFill>
-                <a:latin typeface="Menlo" panose="020B0609030804020204" pitchFamily="49" charset="0"/>
-              </a:rPr>
-              <a:t>endl</a:t>
-            </a:r>
-            <a:r>
-              <a:rPr lang="en" altLang="zh-CN" dirty="0">
-                <a:solidFill>
-                  <a:srgbClr val="000000"/>
-                </a:solidFill>
-                <a:latin typeface="Menlo" panose="020B0609030804020204" pitchFamily="49" charset="0"/>
-              </a:rPr>
-              <a:t>;</a:t>
-            </a:r>
-          </a:p>
-          <a:p>
-            <a:r>
-              <a:rPr lang="en" altLang="zh-CN" dirty="0">
+              <a:rPr lang="en" altLang="zh-CN">
                 <a:solidFill>
                   <a:srgbClr val="0000FF"/>
                 </a:solidFill>
@@ -8871,13 +8761,22 @@
               <a:t>    this</a:t>
             </a:r>
             <a:r>
-              <a:rPr lang="en" altLang="zh-CN" dirty="0">
-                <a:solidFill>
-                  <a:srgbClr val="000000"/>
-                </a:solidFill>
-                <a:latin typeface="Menlo" panose="020B0609030804020204" pitchFamily="49" charset="0"/>
-              </a:rPr>
-              <a:t>-&gt;</a:t>
+              <a:rPr lang="en" altLang="zh-CN">
+                <a:solidFill>
+                  <a:srgbClr val="000000"/>
+                </a:solidFill>
+                <a:latin typeface="Menlo" panose="020B0609030804020204" pitchFamily="49" charset="0"/>
+              </a:rPr>
+              <a:t>-</a:t>
+            </a:r>
+            <a:r>
+              <a:rPr lang="en" altLang="zh-CN" dirty="0">
+                <a:solidFill>
+                  <a:srgbClr val="000000"/>
+                </a:solidFill>
+                <a:latin typeface="Menlo" panose="020B0609030804020204" pitchFamily="49" charset="0"/>
+              </a:rPr>
+              <a:t>&gt;</a:t>
             </a:r>
             <a:r>
               <a:rPr lang="en" altLang="zh-CN" dirty="0">
@@ -12786,7 +12685,7 @@
                 </a:solidFill>
                 <a:latin typeface="Courier" pitchFamily="2" charset="0"/>
               </a:rPr>
-              <a:t>Mat add(Mat A, Mat B);</a:t>
+              <a:t>Mat add(Mat&amp; A, Mat&amp; B);</a:t>
             </a:r>
           </a:p>
           <a:p>
@@ -12800,7 +12699,7 @@
                 </a:solidFill>
                 <a:latin typeface="Courier" pitchFamily="2" charset="0"/>
               </a:rPr>
-              <a:t>Mat add(Mat A, float b);</a:t>
+              <a:t>Mat add(Mat&amp; A, float b);</a:t>
             </a:r>
           </a:p>
           <a:p>
@@ -12814,7 +12713,7 @@
                 </a:solidFill>
                 <a:latin typeface="Courier" pitchFamily="2" charset="0"/>
               </a:rPr>
-              <a:t>Mat add(float a, Mat B);</a:t>
+              <a:t>Mat add(float a, Mat&amp; B);</a:t>
             </a:r>
           </a:p>
           <a:p>
@@ -12857,7 +12756,7 @@
                 </a:solidFill>
                 <a:latin typeface="Courier" pitchFamily="2" charset="0"/>
               </a:rPr>
-              <a:t>(Mat A, Mat B);</a:t>
+              <a:t>(Mat&amp; A, Mat&amp; B);</a:t>
             </a:r>
           </a:p>
           <a:p>
@@ -12889,7 +12788,7 @@
                 </a:solidFill>
                 <a:latin typeface="Courier" pitchFamily="2" charset="0"/>
               </a:rPr>
-              <a:t>(Mat A, float b);</a:t>
+              <a:t>(Mat&amp; A, float b);</a:t>
             </a:r>
             <a:endParaRPr kumimoji="1" lang="zh-CN" altLang="en-US" sz="2000" dirty="0">
               <a:solidFill>
@@ -12927,7 +12826,7 @@
                 </a:solidFill>
                 <a:latin typeface="Courier" pitchFamily="2" charset="0"/>
               </a:rPr>
-              <a:t>(float a, Mat B);</a:t>
+              <a:t>(float a, Mat&amp; B);</a:t>
             </a:r>
           </a:p>
           <a:p>

--- a/week10/Lecture10.pptx
+++ b/week10/Lecture10.pptx
@@ -219,7 +219,7 @@
           <a:p>
             <a:fld id="{634F3F22-B4BB-3F48-9180-464A9F2D66D1}" type="datetimeFigureOut">
               <a:rPr kumimoji="1" lang="zh-CN" altLang="en-US" smtClean="0"/>
-              <a:t>2021/11/15</a:t>
+              <a:t>2024/4/24</a:t>
             </a:fld>
             <a:endParaRPr kumimoji="1" lang="zh-CN" altLang="en-US"/>
           </a:p>
@@ -699,7 +699,7 @@
           <a:p>
             <a:fld id="{FC19A4FA-3D9A-4114-B0D5-759CBD56F1AB}" type="datetimeFigureOut">
               <a:rPr lang="zh-CN" altLang="en-US" smtClean="0"/>
-              <a:t>2021/11/15</a:t>
+              <a:t>2024/4/24</a:t>
             </a:fld>
             <a:endParaRPr lang="zh-CN" altLang="en-US"/>
           </a:p>
@@ -902,7 +902,7 @@
           <a:p>
             <a:fld id="{FC19A4FA-3D9A-4114-B0D5-759CBD56F1AB}" type="datetimeFigureOut">
               <a:rPr lang="zh-CN" altLang="en-US" smtClean="0"/>
-              <a:t>2021/11/15</a:t>
+              <a:t>2024/4/24</a:t>
             </a:fld>
             <a:endParaRPr lang="zh-CN" altLang="en-US"/>
           </a:p>
@@ -1080,7 +1080,7 @@
           <a:p>
             <a:fld id="{FC19A4FA-3D9A-4114-B0D5-759CBD56F1AB}" type="datetimeFigureOut">
               <a:rPr lang="zh-CN" altLang="en-US" smtClean="0"/>
-              <a:t>2021/11/15</a:t>
+              <a:t>2024/4/24</a:t>
             </a:fld>
             <a:endParaRPr lang="zh-CN" altLang="en-US"/>
           </a:p>
@@ -1304,7 +1304,7 @@
           <a:p>
             <a:fld id="{FC19A4FA-3D9A-4114-B0D5-759CBD56F1AB}" type="datetimeFigureOut">
               <a:rPr lang="zh-CN" altLang="en-US" smtClean="0"/>
-              <a:t>2021/11/15</a:t>
+              <a:t>2024/4/24</a:t>
             </a:fld>
             <a:endParaRPr lang="zh-CN" altLang="en-US"/>
           </a:p>
@@ -1538,7 +1538,7 @@
           <a:p>
             <a:fld id="{FC19A4FA-3D9A-4114-B0D5-759CBD56F1AB}" type="datetimeFigureOut">
               <a:rPr lang="zh-CN" altLang="en-US" smtClean="0"/>
-              <a:t>2021/11/15</a:t>
+              <a:t>2024/4/24</a:t>
             </a:fld>
             <a:endParaRPr lang="zh-CN" altLang="en-US"/>
           </a:p>
@@ -1937,7 +1937,7 @@
           <a:p>
             <a:fld id="{FC19A4FA-3D9A-4114-B0D5-759CBD56F1AB}" type="datetimeFigureOut">
               <a:rPr lang="zh-CN" altLang="en-US" smtClean="0"/>
-              <a:t>2021/11/15</a:t>
+              <a:t>2024/4/24</a:t>
             </a:fld>
             <a:endParaRPr lang="zh-CN" altLang="en-US"/>
           </a:p>
@@ -2217,7 +2217,7 @@
           <a:p>
             <a:fld id="{FC19A4FA-3D9A-4114-B0D5-759CBD56F1AB}" type="datetimeFigureOut">
               <a:rPr lang="zh-CN" altLang="en-US" smtClean="0"/>
-              <a:t>2021/11/15</a:t>
+              <a:t>2024/4/24</a:t>
             </a:fld>
             <a:endParaRPr lang="zh-CN" altLang="en-US"/>
           </a:p>
@@ -2369,7 +2369,7 @@
           <a:p>
             <a:fld id="{FC19A4FA-3D9A-4114-B0D5-759CBD56F1AB}" type="datetimeFigureOut">
               <a:rPr lang="zh-CN" altLang="en-US" smtClean="0"/>
-              <a:t>2021/11/15</a:t>
+              <a:t>2024/4/24</a:t>
             </a:fld>
             <a:endParaRPr lang="zh-CN" altLang="en-US"/>
           </a:p>
@@ -2499,7 +2499,7 @@
           <a:p>
             <a:fld id="{FC19A4FA-3D9A-4114-B0D5-759CBD56F1AB}" type="datetimeFigureOut">
               <a:rPr lang="zh-CN" altLang="en-US" smtClean="0"/>
-              <a:t>2021/11/15</a:t>
+              <a:t>2024/4/24</a:t>
             </a:fld>
             <a:endParaRPr lang="zh-CN" altLang="en-US"/>
           </a:p>
@@ -2809,7 +2809,7 @@
           <a:p>
             <a:fld id="{FC19A4FA-3D9A-4114-B0D5-759CBD56F1AB}" type="datetimeFigureOut">
               <a:rPr lang="zh-CN" altLang="en-US" smtClean="0"/>
-              <a:t>2021/11/15</a:t>
+              <a:t>2024/4/24</a:t>
             </a:fld>
             <a:endParaRPr lang="zh-CN" altLang="en-US"/>
           </a:p>
@@ -3096,7 +3096,7 @@
           <a:p>
             <a:fld id="{FC19A4FA-3D9A-4114-B0D5-759CBD56F1AB}" type="datetimeFigureOut">
               <a:rPr lang="zh-CN" altLang="en-US" smtClean="0"/>
-              <a:t>2021/11/15</a:t>
+              <a:t>2024/4/24</a:t>
             </a:fld>
             <a:endParaRPr lang="zh-CN" altLang="en-US"/>
           </a:p>
@@ -3389,7 +3389,7 @@
           <a:p>
             <a:fld id="{FC19A4FA-3D9A-4114-B0D5-759CBD56F1AB}" type="datetimeFigureOut">
               <a:rPr lang="zh-CN" altLang="en-US" smtClean="0"/>
-              <a:t>2021/11/15</a:t>
+              <a:t>2024/4/24</a:t>
             </a:fld>
             <a:endParaRPr lang="zh-CN" altLang="en-US"/>
           </a:p>
@@ -8942,7 +8942,7 @@
         <p:spPr>
           <a:xfrm>
             <a:off x="1376478" y="4400781"/>
-            <a:ext cx="5468075" cy="369332"/>
+            <a:ext cx="5468075" cy="646331"/>
           </a:xfrm>
           <a:prstGeom prst="rect">
             <a:avLst/>
@@ -9014,13 +9014,47 @@
               </a:rPr>
               <a:t>;</a:t>
             </a:r>
-            <a:endParaRPr lang="en" altLang="zh-CN" b="0" dirty="0">
-              <a:solidFill>
-                <a:srgbClr val="000000"/>
-              </a:solidFill>
-              <a:effectLst/>
-              <a:latin typeface="Menlo" panose="020B0609030804020204" pitchFamily="49" charset="0"/>
-            </a:endParaRPr>
+          </a:p>
+          <a:p>
+            <a:r>
+              <a:rPr lang="en" altLang="zh-CN" b="0" dirty="0" err="1">
+                <a:solidFill>
+                  <a:srgbClr val="000000"/>
+                </a:solidFill>
+                <a:effectLst/>
+                <a:latin typeface="Menlo" panose="020B0609030804020204" pitchFamily="49" charset="0"/>
+              </a:rPr>
+              <a:t>MyTime</a:t>
+            </a:r>
+            <a:r>
+              <a:rPr lang="en" altLang="zh-CN" b="0" dirty="0">
+                <a:solidFill>
+                  <a:srgbClr val="000000"/>
+                </a:solidFill>
+                <a:effectLst/>
+                <a:latin typeface="Menlo" panose="020B0609030804020204" pitchFamily="49" charset="0"/>
+              </a:rPr>
+              <a:t> t2(</a:t>
+            </a:r>
+            <a:r>
+              <a:rPr lang="en" altLang="zh-CN" dirty="0">
+                <a:solidFill>
+                  <a:srgbClr val="098658"/>
+                </a:solidFill>
+                <a:latin typeface="Menlo" panose="020B0609030804020204" pitchFamily="49" charset="0"/>
+              </a:rPr>
+              <a:t>70</a:t>
+            </a:r>
+            <a:r>
+              <a:rPr lang="en" altLang="zh-CN" b="0" dirty="0">
+                <a:solidFill>
+                  <a:srgbClr val="000000"/>
+                </a:solidFill>
+                <a:effectLst/>
+                <a:latin typeface="Menlo" panose="020B0609030804020204" pitchFamily="49" charset="0"/>
+              </a:rPr>
+              <a:t>);</a:t>
+            </a:r>
           </a:p>
         </p:txBody>
       </p:sp>
@@ -10057,7 +10091,7 @@
                 <a:ea typeface="Menlo" panose="020B0609030804020204" pitchFamily="49" charset="0"/>
                 <a:cs typeface="Menlo" panose="020B0609030804020204" pitchFamily="49" charset="0"/>
               </a:rPr>
-              <a:t>t2</a:t>
+              <a:t>t2/t3</a:t>
             </a:r>
             <a:r>
               <a:rPr kumimoji="1" lang="en-US" altLang="zh-CN" dirty="0"/>
@@ -10072,7 +10106,7 @@
                 <a:ea typeface="Menlo" panose="020B0609030804020204" pitchFamily="49" charset="0"/>
                 <a:cs typeface="Menlo" panose="020B0609030804020204" pitchFamily="49" charset="0"/>
               </a:rPr>
-              <a:t>t3</a:t>
+              <a:t>t4</a:t>
             </a:r>
             <a:r>
               <a:rPr kumimoji="1" lang="en-US" altLang="zh-CN" dirty="0"/>
@@ -10097,7 +10131,7 @@
         <p:spPr>
           <a:xfrm>
             <a:off x="1178858" y="2393141"/>
-            <a:ext cx="6096000" cy="1477328"/>
+            <a:ext cx="6096000" cy="2031325"/>
           </a:xfrm>
           <a:prstGeom prst="rect">
             <a:avLst/>
@@ -10171,6 +10205,70 @@
             </a:r>
           </a:p>
           <a:p>
+            <a:r>
+              <a:rPr lang="en" altLang="zh-CN" dirty="0" err="1">
+                <a:solidFill>
+                  <a:srgbClr val="267F99"/>
+                </a:solidFill>
+                <a:latin typeface="Menlo" panose="020B0609030804020204" pitchFamily="49" charset="0"/>
+              </a:rPr>
+              <a:t>MyTime</a:t>
+            </a:r>
+            <a:r>
+              <a:rPr lang="en" altLang="zh-CN" dirty="0">
+                <a:solidFill>
+                  <a:srgbClr val="000000"/>
+                </a:solidFill>
+                <a:latin typeface="Menlo" panose="020B0609030804020204" pitchFamily="49" charset="0"/>
+              </a:rPr>
+              <a:t> </a:t>
+            </a:r>
+            <a:r>
+              <a:rPr lang="en" altLang="zh-CN" dirty="0">
+                <a:solidFill>
+                  <a:srgbClr val="001080"/>
+                </a:solidFill>
+                <a:latin typeface="Menlo" panose="020B0609030804020204" pitchFamily="49" charset="0"/>
+              </a:rPr>
+              <a:t>t3</a:t>
+            </a:r>
+            <a:r>
+              <a:rPr lang="en" altLang="zh-CN" dirty="0">
+                <a:solidFill>
+                  <a:srgbClr val="000000"/>
+                </a:solidFill>
+                <a:latin typeface="Menlo" panose="020B0609030804020204" pitchFamily="49" charset="0"/>
+              </a:rPr>
+              <a:t>(</a:t>
+            </a:r>
+            <a:r>
+              <a:rPr lang="en" altLang="zh-CN" dirty="0">
+                <a:solidFill>
+                  <a:srgbClr val="098658"/>
+                </a:solidFill>
+                <a:latin typeface="Menlo" panose="020B0609030804020204" pitchFamily="49" charset="0"/>
+              </a:rPr>
+              <a:t>80</a:t>
+            </a:r>
+            <a:r>
+              <a:rPr lang="en" altLang="zh-CN" dirty="0">
+                <a:solidFill>
+                  <a:srgbClr val="000000"/>
+                </a:solidFill>
+                <a:latin typeface="Menlo" panose="020B0609030804020204" pitchFamily="49" charset="0"/>
+              </a:rPr>
+              <a:t>);</a:t>
+            </a:r>
+          </a:p>
+          <a:p>
+            <a:endParaRPr lang="en" altLang="zh-CN" dirty="0">
+              <a:solidFill>
+                <a:srgbClr val="000000"/>
+              </a:solidFill>
+              <a:latin typeface="Menlo" panose="020B0609030804020204" pitchFamily="49" charset="0"/>
+            </a:endParaRPr>
+          </a:p>
+          <a:p>
             <a:endParaRPr lang="en" altLang="zh-CN" dirty="0">
               <a:solidFill>
                 <a:srgbClr val="267F99"/>
@@ -10212,7 +10310,7 @@
                 </a:solidFill>
                 <a:latin typeface="Menlo" panose="020B0609030804020204" pitchFamily="49" charset="0"/>
               </a:rPr>
-              <a:t>t3</a:t>
+              <a:t>t4</a:t>
             </a:r>
             <a:r>
               <a:rPr lang="en" altLang="zh-CN" dirty="0">
@@ -10232,7 +10330,7 @@
                 </a:solidFill>
                 <a:latin typeface="Menlo" panose="020B0609030804020204" pitchFamily="49" charset="0"/>
               </a:rPr>
-              <a:t>t3</a:t>
+              <a:t>t4</a:t>
             </a:r>
             <a:r>
               <a:rPr lang="en" altLang="zh-CN" dirty="0">

--- a/week10/Lecture10.pptx
+++ b/week10/Lecture10.pptx
@@ -219,7 +219,7 @@
           <a:p>
             <a:fld id="{634F3F22-B4BB-3F48-9180-464A9F2D66D1}" type="datetimeFigureOut">
               <a:rPr kumimoji="1" lang="zh-CN" altLang="en-US" smtClean="0"/>
-              <a:t>2024/4/24</a:t>
+              <a:t>2025/4/15</a:t>
             </a:fld>
             <a:endParaRPr kumimoji="1" lang="zh-CN" altLang="en-US"/>
           </a:p>
@@ -699,7 +699,7 @@
           <a:p>
             <a:fld id="{FC19A4FA-3D9A-4114-B0D5-759CBD56F1AB}" type="datetimeFigureOut">
               <a:rPr lang="zh-CN" altLang="en-US" smtClean="0"/>
-              <a:t>2024/4/24</a:t>
+              <a:t>2025/4/15</a:t>
             </a:fld>
             <a:endParaRPr lang="zh-CN" altLang="en-US"/>
           </a:p>
@@ -902,7 +902,7 @@
           <a:p>
             <a:fld id="{FC19A4FA-3D9A-4114-B0D5-759CBD56F1AB}" type="datetimeFigureOut">
               <a:rPr lang="zh-CN" altLang="en-US" smtClean="0"/>
-              <a:t>2024/4/24</a:t>
+              <a:t>2025/4/15</a:t>
             </a:fld>
             <a:endParaRPr lang="zh-CN" altLang="en-US"/>
           </a:p>
@@ -1080,7 +1080,7 @@
           <a:p>
             <a:fld id="{FC19A4FA-3D9A-4114-B0D5-759CBD56F1AB}" type="datetimeFigureOut">
               <a:rPr lang="zh-CN" altLang="en-US" smtClean="0"/>
-              <a:t>2024/4/24</a:t>
+              <a:t>2025/4/15</a:t>
             </a:fld>
             <a:endParaRPr lang="zh-CN" altLang="en-US"/>
           </a:p>
@@ -1304,7 +1304,7 @@
           <a:p>
             <a:fld id="{FC19A4FA-3D9A-4114-B0D5-759CBD56F1AB}" type="datetimeFigureOut">
               <a:rPr lang="zh-CN" altLang="en-US" smtClean="0"/>
-              <a:t>2024/4/24</a:t>
+              <a:t>2025/4/15</a:t>
             </a:fld>
             <a:endParaRPr lang="zh-CN" altLang="en-US"/>
           </a:p>
@@ -1538,7 +1538,7 @@
           <a:p>
             <a:fld id="{FC19A4FA-3D9A-4114-B0D5-759CBD56F1AB}" type="datetimeFigureOut">
               <a:rPr lang="zh-CN" altLang="en-US" smtClean="0"/>
-              <a:t>2024/4/24</a:t>
+              <a:t>2025/4/15</a:t>
             </a:fld>
             <a:endParaRPr lang="zh-CN" altLang="en-US"/>
           </a:p>
@@ -1937,7 +1937,7 @@
           <a:p>
             <a:fld id="{FC19A4FA-3D9A-4114-B0D5-759CBD56F1AB}" type="datetimeFigureOut">
               <a:rPr lang="zh-CN" altLang="en-US" smtClean="0"/>
-              <a:t>2024/4/24</a:t>
+              <a:t>2025/4/15</a:t>
             </a:fld>
             <a:endParaRPr lang="zh-CN" altLang="en-US"/>
           </a:p>
@@ -2217,7 +2217,7 @@
           <a:p>
             <a:fld id="{FC19A4FA-3D9A-4114-B0D5-759CBD56F1AB}" type="datetimeFigureOut">
               <a:rPr lang="zh-CN" altLang="en-US" smtClean="0"/>
-              <a:t>2024/4/24</a:t>
+              <a:t>2025/4/15</a:t>
             </a:fld>
             <a:endParaRPr lang="zh-CN" altLang="en-US"/>
           </a:p>
@@ -2369,7 +2369,7 @@
           <a:p>
             <a:fld id="{FC19A4FA-3D9A-4114-B0D5-759CBD56F1AB}" type="datetimeFigureOut">
               <a:rPr lang="zh-CN" altLang="en-US" smtClean="0"/>
-              <a:t>2024/4/24</a:t>
+              <a:t>2025/4/15</a:t>
             </a:fld>
             <a:endParaRPr lang="zh-CN" altLang="en-US"/>
           </a:p>
@@ -2499,7 +2499,7 @@
           <a:p>
             <a:fld id="{FC19A4FA-3D9A-4114-B0D5-759CBD56F1AB}" type="datetimeFigureOut">
               <a:rPr lang="zh-CN" altLang="en-US" smtClean="0"/>
-              <a:t>2024/4/24</a:t>
+              <a:t>2025/4/15</a:t>
             </a:fld>
             <a:endParaRPr lang="zh-CN" altLang="en-US"/>
           </a:p>
@@ -2809,7 +2809,7 @@
           <a:p>
             <a:fld id="{FC19A4FA-3D9A-4114-B0D5-759CBD56F1AB}" type="datetimeFigureOut">
               <a:rPr lang="zh-CN" altLang="en-US" smtClean="0"/>
-              <a:t>2024/4/24</a:t>
+              <a:t>2025/4/15</a:t>
             </a:fld>
             <a:endParaRPr lang="zh-CN" altLang="en-US"/>
           </a:p>
@@ -3096,7 +3096,7 @@
           <a:p>
             <a:fld id="{FC19A4FA-3D9A-4114-B0D5-759CBD56F1AB}" type="datetimeFigureOut">
               <a:rPr lang="zh-CN" altLang="en-US" smtClean="0"/>
-              <a:t>2024/4/24</a:t>
+              <a:t>2025/4/15</a:t>
             </a:fld>
             <a:endParaRPr lang="zh-CN" altLang="en-US"/>
           </a:p>
@@ -3389,7 +3389,7 @@
           <a:p>
             <a:fld id="{FC19A4FA-3D9A-4114-B0D5-759CBD56F1AB}" type="datetimeFigureOut">
               <a:rPr lang="zh-CN" altLang="en-US" smtClean="0"/>
-              <a:t>2024/4/24</a:t>
+              <a:t>2025/4/15</a:t>
             </a:fld>
             <a:endParaRPr lang="zh-CN" altLang="en-US"/>
           </a:p>
@@ -3819,20 +3819,23 @@
             <a:r>
               <a:rPr lang="en-US" altLang="zh-CN" b="1" dirty="0">
                 <a:latin typeface="Franklin Gothic Demi" panose="020B0703020102020204" pitchFamily="34" charset="0"/>
-              </a:rPr>
-              <a:t>C/C++</a:t>
+                <a:sym typeface="+mn-ea"/>
+              </a:rPr>
+              <a:t>Advanced</a:t>
             </a:r>
             <a:r>
               <a:rPr lang="zh-CN" altLang="en-US" b="1" dirty="0">
                 <a:latin typeface="Franklin Gothic Demi" panose="020B0703020102020204" pitchFamily="34" charset="0"/>
+                <a:sym typeface="+mn-ea"/>
               </a:rPr>
               <a:t> </a:t>
             </a:r>
             <a:r>
               <a:rPr lang="en-US" altLang="zh-CN" b="1" dirty="0">
                 <a:latin typeface="Franklin Gothic Demi" panose="020B0703020102020204" pitchFamily="34" charset="0"/>
-              </a:rPr>
-              <a:t>Program Design</a:t>
+                <a:sym typeface="+mn-ea"/>
+              </a:rPr>
+              <a:t>Programming</a:t>
             </a:r>
             <a:endParaRPr lang="zh-CN" altLang="en-US" b="1" dirty="0">
               <a:latin typeface="Franklin Gothic Demi" panose="020B0703020102020204" pitchFamily="34" charset="0"/>
@@ -3861,14 +3864,6 @@
             <a:normAutofit/>
           </a:bodyPr>
           <a:lstStyle/>
-          <a:p>
-            <a:r>
-              <a:rPr lang="en-US" altLang="zh-CN" sz="3600" dirty="0">
-                <a:latin typeface="Franklin Gothic Medium" panose="020B0603020102020204" pitchFamily="34" charset="0"/>
-              </a:rPr>
-              <a:t>CS205</a:t>
-            </a:r>
-          </a:p>
           <a:p>
             <a:endParaRPr lang="en-US" altLang="zh-CN" dirty="0">
               <a:latin typeface="Franklin Gothic Medium" panose="020B0603020102020204" pitchFamily="34" charset="0"/>
